--- a/docs/prototype.pptx
+++ b/docs/prototype.pptx
@@ -106,6 +106,11 @@
       </a:defRPr>
     </a:lvl9pPr>
   </p:defaultTextStyle>
+  <p:extLst>
+    <p:ext uri="{EFAFB233-063F-42B5-8137-9DF3F51BA10A}">
+      <p15:sldGuideLst xmlns:p15="http://schemas.microsoft.com/office/powerpoint/2012/main"/>
+    </p:ext>
+  </p:extLst>
 </p:presentation>
 </file>
 
@@ -240,7 +245,7 @@
           <a:p>
             <a:fld id="{84B0DA33-6DF2-46AF-9E38-1A25E77D5CBB}" type="datetimeFigureOut">
               <a:rPr lang="ko-KR" altLang="en-US" smtClean="0"/>
-              <a:t>2023-01-06</a:t>
+              <a:t>2023-02-06</a:t>
             </a:fld>
             <a:endParaRPr lang="ko-KR" altLang="en-US"/>
           </a:p>
@@ -410,7 +415,7 @@
           <a:p>
             <a:fld id="{84B0DA33-6DF2-46AF-9E38-1A25E77D5CBB}" type="datetimeFigureOut">
               <a:rPr lang="ko-KR" altLang="en-US" smtClean="0"/>
-              <a:t>2023-01-06</a:t>
+              <a:t>2023-02-06</a:t>
             </a:fld>
             <a:endParaRPr lang="ko-KR" altLang="en-US"/>
           </a:p>
@@ -590,7 +595,7 @@
           <a:p>
             <a:fld id="{84B0DA33-6DF2-46AF-9E38-1A25E77D5CBB}" type="datetimeFigureOut">
               <a:rPr lang="ko-KR" altLang="en-US" smtClean="0"/>
-              <a:t>2023-01-06</a:t>
+              <a:t>2023-02-06</a:t>
             </a:fld>
             <a:endParaRPr lang="ko-KR" altLang="en-US"/>
           </a:p>
@@ -760,7 +765,7 @@
           <a:p>
             <a:fld id="{84B0DA33-6DF2-46AF-9E38-1A25E77D5CBB}" type="datetimeFigureOut">
               <a:rPr lang="ko-KR" altLang="en-US" smtClean="0"/>
-              <a:t>2023-01-06</a:t>
+              <a:t>2023-02-06</a:t>
             </a:fld>
             <a:endParaRPr lang="ko-KR" altLang="en-US"/>
           </a:p>
@@ -1006,7 +1011,7 @@
           <a:p>
             <a:fld id="{84B0DA33-6DF2-46AF-9E38-1A25E77D5CBB}" type="datetimeFigureOut">
               <a:rPr lang="ko-KR" altLang="en-US" smtClean="0"/>
-              <a:t>2023-01-06</a:t>
+              <a:t>2023-02-06</a:t>
             </a:fld>
             <a:endParaRPr lang="ko-KR" altLang="en-US"/>
           </a:p>
@@ -1238,7 +1243,7 @@
           <a:p>
             <a:fld id="{84B0DA33-6DF2-46AF-9E38-1A25E77D5CBB}" type="datetimeFigureOut">
               <a:rPr lang="ko-KR" altLang="en-US" smtClean="0"/>
-              <a:t>2023-01-06</a:t>
+              <a:t>2023-02-06</a:t>
             </a:fld>
             <a:endParaRPr lang="ko-KR" altLang="en-US"/>
           </a:p>
@@ -1605,7 +1610,7 @@
           <a:p>
             <a:fld id="{84B0DA33-6DF2-46AF-9E38-1A25E77D5CBB}" type="datetimeFigureOut">
               <a:rPr lang="ko-KR" altLang="en-US" smtClean="0"/>
-              <a:t>2023-01-06</a:t>
+              <a:t>2023-02-06</a:t>
             </a:fld>
             <a:endParaRPr lang="ko-KR" altLang="en-US"/>
           </a:p>
@@ -1723,7 +1728,7 @@
           <a:p>
             <a:fld id="{84B0DA33-6DF2-46AF-9E38-1A25E77D5CBB}" type="datetimeFigureOut">
               <a:rPr lang="ko-KR" altLang="en-US" smtClean="0"/>
-              <a:t>2023-01-06</a:t>
+              <a:t>2023-02-06</a:t>
             </a:fld>
             <a:endParaRPr lang="ko-KR" altLang="en-US"/>
           </a:p>
@@ -1818,7 +1823,7 @@
           <a:p>
             <a:fld id="{84B0DA33-6DF2-46AF-9E38-1A25E77D5CBB}" type="datetimeFigureOut">
               <a:rPr lang="ko-KR" altLang="en-US" smtClean="0"/>
-              <a:t>2023-01-06</a:t>
+              <a:t>2023-02-06</a:t>
             </a:fld>
             <a:endParaRPr lang="ko-KR" altLang="en-US"/>
           </a:p>
@@ -2095,7 +2100,7 @@
           <a:p>
             <a:fld id="{84B0DA33-6DF2-46AF-9E38-1A25E77D5CBB}" type="datetimeFigureOut">
               <a:rPr lang="ko-KR" altLang="en-US" smtClean="0"/>
-              <a:t>2023-01-06</a:t>
+              <a:t>2023-02-06</a:t>
             </a:fld>
             <a:endParaRPr lang="ko-KR" altLang="en-US"/>
           </a:p>
@@ -2348,7 +2353,7 @@
           <a:p>
             <a:fld id="{84B0DA33-6DF2-46AF-9E38-1A25E77D5CBB}" type="datetimeFigureOut">
               <a:rPr lang="ko-KR" altLang="en-US" smtClean="0"/>
-              <a:t>2023-01-06</a:t>
+              <a:t>2023-02-06</a:t>
             </a:fld>
             <a:endParaRPr lang="ko-KR" altLang="en-US"/>
           </a:p>
@@ -2561,7 +2566,7 @@
           <a:p>
             <a:fld id="{84B0DA33-6DF2-46AF-9E38-1A25E77D5CBB}" type="datetimeFigureOut">
               <a:rPr lang="ko-KR" altLang="en-US" smtClean="0"/>
-              <a:t>2023-01-06</a:t>
+              <a:t>2023-02-06</a:t>
             </a:fld>
             <a:endParaRPr lang="ko-KR" altLang="en-US"/>
           </a:p>
@@ -5961,7 +5966,7 @@
         <p:spPr>
           <a:xfrm>
             <a:off x="324196" y="349135"/>
-            <a:ext cx="1651414" cy="369332"/>
+            <a:ext cx="1107996" cy="369332"/>
           </a:xfrm>
           <a:prstGeom prst="rect">
             <a:avLst/>
@@ -5976,7 +5981,7 @@
           <a:p>
             <a:r>
               <a:rPr lang="ko-KR" altLang="en-US" dirty="0" smtClean="0"/>
-              <a:t>관심사 페이지</a:t>
+              <a:t>투자동향</a:t>
             </a:r>
             <a:endParaRPr lang="ko-KR" altLang="en-US" dirty="0"/>
           </a:p>
@@ -5991,7 +5996,7 @@
         <p:spPr>
           <a:xfrm>
             <a:off x="1149903" y="922713"/>
-            <a:ext cx="5311832" cy="5669280"/>
+            <a:ext cx="5927302" cy="5669280"/>
           </a:xfrm>
           <a:prstGeom prst="rect">
             <a:avLst/>
@@ -6020,6 +6025,366 @@
           <a:p>
             <a:pPr algn="ctr"/>
             <a:endParaRPr lang="ko-KR" altLang="en-US"/>
+          </a:p>
+        </p:txBody>
+      </p:sp>
+      <p:sp>
+        <p:nvSpPr>
+          <p:cNvPr id="2" name="직사각형 1"/>
+          <p:cNvSpPr/>
+          <p:nvPr/>
+        </p:nvSpPr>
+        <p:spPr>
+          <a:xfrm>
+            <a:off x="1275164" y="1120624"/>
+            <a:ext cx="1555719" cy="5273458"/>
+          </a:xfrm>
+          <a:prstGeom prst="rect">
+            <a:avLst/>
+          </a:prstGeom>
+          <a:noFill/>
+        </p:spPr>
+        <p:style>
+          <a:lnRef idx="2">
+            <a:schemeClr val="accent1">
+              <a:shade val="50000"/>
+            </a:schemeClr>
+          </a:lnRef>
+          <a:fillRef idx="1">
+            <a:schemeClr val="accent1"/>
+          </a:fillRef>
+          <a:effectRef idx="0">
+            <a:schemeClr val="accent1"/>
+          </a:effectRef>
+          <a:fontRef idx="minor">
+            <a:schemeClr val="lt1"/>
+          </a:fontRef>
+        </p:style>
+        <p:txBody>
+          <a:bodyPr rtlCol="0" anchor="ctr"/>
+          <a:lstStyle/>
+          <a:p>
+            <a:pPr algn="ctr"/>
+            <a:endParaRPr lang="ko-KR" altLang="en-US"/>
+          </a:p>
+        </p:txBody>
+      </p:sp>
+      <p:sp>
+        <p:nvSpPr>
+          <p:cNvPr id="3" name="TextBox 2"/>
+          <p:cNvSpPr txBox="1"/>
+          <p:nvPr/>
+        </p:nvSpPr>
+        <p:spPr>
+          <a:xfrm>
+            <a:off x="1432192" y="1377863"/>
+            <a:ext cx="1011752" cy="369332"/>
+          </a:xfrm>
+          <a:prstGeom prst="rect">
+            <a:avLst/>
+          </a:prstGeom>
+          <a:noFill/>
+        </p:spPr>
+        <p:txBody>
+          <a:bodyPr wrap="none" rtlCol="0">
+            <a:spAutoFit/>
+          </a:bodyPr>
+          <a:lstStyle/>
+          <a:p>
+            <a:r>
+              <a:rPr lang="en-US" altLang="ko-KR" dirty="0" err="1" smtClean="0"/>
+              <a:t>Nav</a:t>
+            </a:r>
+            <a:r>
+              <a:rPr lang="en-US" altLang="ko-KR" dirty="0" smtClean="0"/>
+              <a:t> bar</a:t>
+            </a:r>
+            <a:endParaRPr lang="ko-KR" altLang="en-US" dirty="0"/>
+          </a:p>
+        </p:txBody>
+      </p:sp>
+      <p:sp>
+        <p:nvSpPr>
+          <p:cNvPr id="6" name="직사각형 5"/>
+          <p:cNvSpPr/>
+          <p:nvPr/>
+        </p:nvSpPr>
+        <p:spPr>
+          <a:xfrm>
+            <a:off x="1311894" y="988232"/>
+            <a:ext cx="4987850" cy="455150"/>
+          </a:xfrm>
+          <a:prstGeom prst="rect">
+            <a:avLst/>
+          </a:prstGeom>
+          <a:noFill/>
+        </p:spPr>
+        <p:style>
+          <a:lnRef idx="2">
+            <a:schemeClr val="accent1">
+              <a:shade val="50000"/>
+            </a:schemeClr>
+          </a:lnRef>
+          <a:fillRef idx="1">
+            <a:schemeClr val="accent1"/>
+          </a:fillRef>
+          <a:effectRef idx="0">
+            <a:schemeClr val="accent1"/>
+          </a:effectRef>
+          <a:fontRef idx="minor">
+            <a:schemeClr val="lt1"/>
+          </a:fontRef>
+        </p:style>
+        <p:txBody>
+          <a:bodyPr rtlCol="0" anchor="ctr"/>
+          <a:lstStyle/>
+          <a:p>
+            <a:pPr algn="ctr"/>
+            <a:endParaRPr lang="ko-KR" altLang="en-US"/>
+          </a:p>
+        </p:txBody>
+      </p:sp>
+      <p:sp>
+        <p:nvSpPr>
+          <p:cNvPr id="8" name="직사각형 7"/>
+          <p:cNvSpPr/>
+          <p:nvPr/>
+        </p:nvSpPr>
+        <p:spPr>
+          <a:xfrm>
+            <a:off x="3018773" y="1653436"/>
+            <a:ext cx="1615857" cy="1402915"/>
+          </a:xfrm>
+          <a:prstGeom prst="rect">
+            <a:avLst/>
+          </a:prstGeom>
+          <a:noFill/>
+        </p:spPr>
+        <p:style>
+          <a:lnRef idx="2">
+            <a:schemeClr val="accent1">
+              <a:shade val="50000"/>
+            </a:schemeClr>
+          </a:lnRef>
+          <a:fillRef idx="1">
+            <a:schemeClr val="accent1"/>
+          </a:fillRef>
+          <a:effectRef idx="0">
+            <a:schemeClr val="accent1"/>
+          </a:effectRef>
+          <a:fontRef idx="minor">
+            <a:schemeClr val="lt1"/>
+          </a:fontRef>
+        </p:style>
+        <p:txBody>
+          <a:bodyPr rtlCol="0" anchor="ctr"/>
+          <a:lstStyle/>
+          <a:p>
+            <a:pPr algn="ctr"/>
+            <a:r>
+              <a:rPr lang="ko-KR" altLang="en-US" dirty="0" smtClean="0">
+                <a:solidFill>
+                  <a:schemeClr val="tx1"/>
+                </a:solidFill>
+              </a:rPr>
+              <a:t>테마</a:t>
+            </a:r>
+            <a:r>
+              <a:rPr lang="en-US" altLang="ko-KR" dirty="0" smtClean="0">
+                <a:solidFill>
+                  <a:schemeClr val="tx1"/>
+                </a:solidFill>
+              </a:rPr>
+              <a:t>1</a:t>
+            </a:r>
+            <a:endParaRPr lang="ko-KR" altLang="en-US" dirty="0">
+              <a:solidFill>
+                <a:schemeClr val="tx1"/>
+              </a:solidFill>
+            </a:endParaRPr>
+          </a:p>
+        </p:txBody>
+      </p:sp>
+      <p:sp>
+        <p:nvSpPr>
+          <p:cNvPr id="9" name="직사각형 8"/>
+          <p:cNvSpPr/>
+          <p:nvPr/>
+        </p:nvSpPr>
+        <p:spPr>
+          <a:xfrm>
+            <a:off x="5110619" y="1647628"/>
+            <a:ext cx="1615857" cy="1402915"/>
+          </a:xfrm>
+          <a:prstGeom prst="rect">
+            <a:avLst/>
+          </a:prstGeom>
+          <a:noFill/>
+        </p:spPr>
+        <p:style>
+          <a:lnRef idx="2">
+            <a:schemeClr val="accent1">
+              <a:shade val="50000"/>
+            </a:schemeClr>
+          </a:lnRef>
+          <a:fillRef idx="1">
+            <a:schemeClr val="accent1"/>
+          </a:fillRef>
+          <a:effectRef idx="0">
+            <a:schemeClr val="accent1"/>
+          </a:effectRef>
+          <a:fontRef idx="minor">
+            <a:schemeClr val="lt1"/>
+          </a:fontRef>
+        </p:style>
+        <p:txBody>
+          <a:bodyPr rtlCol="0" anchor="ctr"/>
+          <a:lstStyle/>
+          <a:p>
+            <a:pPr algn="ctr"/>
+            <a:r>
+              <a:rPr lang="ko-KR" altLang="en-US" dirty="0" smtClean="0">
+                <a:solidFill>
+                  <a:schemeClr val="tx1"/>
+                </a:solidFill>
+              </a:rPr>
+              <a:t>테마</a:t>
+            </a:r>
+            <a:r>
+              <a:rPr lang="en-US" altLang="ko-KR" dirty="0" smtClean="0">
+                <a:solidFill>
+                  <a:schemeClr val="tx1"/>
+                </a:solidFill>
+              </a:rPr>
+              <a:t>2</a:t>
+            </a:r>
+            <a:endParaRPr lang="ko-KR" altLang="en-US" dirty="0">
+              <a:solidFill>
+                <a:schemeClr val="tx1"/>
+              </a:solidFill>
+            </a:endParaRPr>
+          </a:p>
+        </p:txBody>
+      </p:sp>
+      <p:sp>
+        <p:nvSpPr>
+          <p:cNvPr id="10" name="직사각형 9"/>
+          <p:cNvSpPr/>
+          <p:nvPr/>
+        </p:nvSpPr>
+        <p:spPr>
+          <a:xfrm>
+            <a:off x="3018773" y="4139052"/>
+            <a:ext cx="1615857" cy="1402915"/>
+          </a:xfrm>
+          <a:prstGeom prst="rect">
+            <a:avLst/>
+          </a:prstGeom>
+          <a:noFill/>
+        </p:spPr>
+        <p:style>
+          <a:lnRef idx="2">
+            <a:schemeClr val="accent1">
+              <a:shade val="50000"/>
+            </a:schemeClr>
+          </a:lnRef>
+          <a:fillRef idx="1">
+            <a:schemeClr val="accent1"/>
+          </a:fillRef>
+          <a:effectRef idx="0">
+            <a:schemeClr val="accent1"/>
+          </a:effectRef>
+          <a:fontRef idx="minor">
+            <a:schemeClr val="lt1"/>
+          </a:fontRef>
+        </p:style>
+        <p:txBody>
+          <a:bodyPr rtlCol="0" anchor="ctr"/>
+          <a:lstStyle/>
+          <a:p>
+            <a:pPr algn="ctr"/>
+            <a:r>
+              <a:rPr lang="ko-KR" altLang="en-US" dirty="0" smtClean="0">
+                <a:solidFill>
+                  <a:schemeClr val="tx1"/>
+                </a:solidFill>
+              </a:rPr>
+              <a:t>테마</a:t>
+            </a:r>
+            <a:r>
+              <a:rPr lang="en-US" altLang="ko-KR" dirty="0" smtClean="0">
+                <a:solidFill>
+                  <a:schemeClr val="tx1"/>
+                </a:solidFill>
+              </a:rPr>
+              <a:t>3</a:t>
+            </a:r>
+            <a:endParaRPr lang="ko-KR" altLang="en-US" dirty="0">
+              <a:solidFill>
+                <a:schemeClr val="tx1"/>
+              </a:solidFill>
+            </a:endParaRPr>
+          </a:p>
+        </p:txBody>
+      </p:sp>
+      <p:sp>
+        <p:nvSpPr>
+          <p:cNvPr id="11" name="직사각형 10"/>
+          <p:cNvSpPr/>
+          <p:nvPr/>
+        </p:nvSpPr>
+        <p:spPr>
+          <a:xfrm>
+            <a:off x="5110619" y="4133244"/>
+            <a:ext cx="1615857" cy="1402915"/>
+          </a:xfrm>
+          <a:prstGeom prst="rect">
+            <a:avLst/>
+          </a:prstGeom>
+          <a:noFill/>
+        </p:spPr>
+        <p:style>
+          <a:lnRef idx="2">
+            <a:schemeClr val="accent1">
+              <a:shade val="50000"/>
+            </a:schemeClr>
+          </a:lnRef>
+          <a:fillRef idx="1">
+            <a:schemeClr val="accent1"/>
+          </a:fillRef>
+          <a:effectRef idx="0">
+            <a:schemeClr val="accent1"/>
+          </a:effectRef>
+          <a:fontRef idx="minor">
+            <a:schemeClr val="lt1"/>
+          </a:fontRef>
+        </p:style>
+        <p:txBody>
+          <a:bodyPr rtlCol="0" anchor="ctr"/>
+          <a:lstStyle/>
+          <a:p>
+            <a:pPr algn="ctr"/>
+            <a:r>
+              <a:rPr lang="ko-KR" altLang="en-US" dirty="0" smtClean="0">
+                <a:solidFill>
+                  <a:schemeClr val="tx1"/>
+                </a:solidFill>
+              </a:rPr>
+              <a:t>테마</a:t>
+            </a:r>
+            <a:r>
+              <a:rPr lang="en-US" altLang="ko-KR" dirty="0">
+                <a:solidFill>
+                  <a:schemeClr val="tx1"/>
+                </a:solidFill>
+              </a:rPr>
+              <a:t>4</a:t>
+            </a:r>
+            <a:endParaRPr lang="ko-KR" altLang="en-US" dirty="0">
+              <a:solidFill>
+                <a:schemeClr val="tx1"/>
+              </a:solidFill>
+            </a:endParaRPr>
           </a:p>
         </p:txBody>
       </p:sp>
